--- a/Networked System and Applications/week19/EENGM0009-3-04-IoT-WSN(1).pptx
+++ b/Networked System and Applications/week19/EENGM0009-3-04-IoT-WSN(1).pptx
@@ -345,14 +345,14 @@
           </a:ln>
           <a:extLst>
             <a:ext uri="{909E8E84-426E-40dd-AFC4-6F175D3DCCD1}">
-              <a14:hiddenFill xmlns:a14="http://schemas.microsoft.com/office/drawing/2010/main" xmlns="">
+              <a14:hiddenFill xmlns="" xmlns:a14="http://schemas.microsoft.com/office/drawing/2010/main">
                 <a:solidFill>
                   <a:srgbClr val="FFFFFF"/>
                 </a:solidFill>
               </a14:hiddenFill>
             </a:ext>
             <a:ext uri="{91240B29-F687-4f45-9708-019B960494DF}">
-              <a14:hiddenLine xmlns:a14="http://schemas.microsoft.com/office/drawing/2010/main" xmlns="" w="12700">
+              <a14:hiddenLine xmlns="" xmlns:a14="http://schemas.microsoft.com/office/drawing/2010/main" w="12700">
                 <a:solidFill>
                   <a:srgbClr val="000000"/>
                 </a:solidFill>
@@ -493,14 +493,14 @@
           </a:ln>
           <a:extLst>
             <a:ext uri="{909E8E84-426E-40dd-AFC4-6F175D3DCCD1}">
-              <a14:hiddenFill xmlns:a14="http://schemas.microsoft.com/office/drawing/2010/main" xmlns="">
+              <a14:hiddenFill xmlns="" xmlns:a14="http://schemas.microsoft.com/office/drawing/2010/main">
                 <a:solidFill>
                   <a:srgbClr val="FFFFFF"/>
                 </a:solidFill>
               </a14:hiddenFill>
             </a:ext>
             <a:ext uri="{91240B29-F687-4f45-9708-019B960494DF}">
-              <a14:hiddenLine xmlns:a14="http://schemas.microsoft.com/office/drawing/2010/main" xmlns="" w="12700">
+              <a14:hiddenLine xmlns="" xmlns:a14="http://schemas.microsoft.com/office/drawing/2010/main" w="12700">
                 <a:solidFill>
                   <a:srgbClr val="000000"/>
                 </a:solidFill>
@@ -872,7 +872,7 @@
           </a:ln>
           <a:extLst>
             <a:ext uri="{909E8E84-426E-40dd-AFC4-6F175D3DCCD1}">
-              <a14:hiddenFill xmlns:a14="http://schemas.microsoft.com/office/drawing/2010/main" xmlns="">
+              <a14:hiddenFill xmlns="" xmlns:a14="http://schemas.microsoft.com/office/drawing/2010/main">
                 <a:solidFill>
                   <a:srgbClr val="FFFFFF"/>
                 </a:solidFill>
@@ -1061,14 +1061,14 @@
           <a:ln w="9525"/>
           <a:extLst>
             <a:ext uri="{909E8E84-426E-40dd-AFC4-6F175D3DCCD1}">
-              <a14:hiddenFill xmlns:a14="http://schemas.microsoft.com/office/drawing/2010/main" xmlns="">
+              <a14:hiddenFill xmlns="" xmlns:a14="http://schemas.microsoft.com/office/drawing/2010/main">
                 <a:solidFill>
                   <a:srgbClr val="FFFFFF"/>
                 </a:solidFill>
               </a14:hiddenFill>
             </a:ext>
             <a:ext uri="{91240B29-F687-4f45-9708-019B960494DF}">
-              <a14:hiddenLine xmlns:a14="http://schemas.microsoft.com/office/drawing/2010/main" xmlns="" w="9525">
+              <a14:hiddenLine xmlns="" xmlns:a14="http://schemas.microsoft.com/office/drawing/2010/main" w="9525">
                 <a:solidFill>
                   <a:srgbClr val="000000"/>
                 </a:solidFill>
@@ -4404,7 +4404,7 @@
           <a:noFill/>
           <a:extLst>
             <a:ext uri="{909E8E84-426E-40dd-AFC4-6F175D3DCCD1}">
-              <a14:hiddenFill xmlns:a14="http://schemas.microsoft.com/office/drawing/2010/main" xmlns="">
+              <a14:hiddenFill xmlns="" xmlns:a14="http://schemas.microsoft.com/office/drawing/2010/main">
                 <a:solidFill>
                   <a:srgbClr val="FFFFFF"/>
                 </a:solidFill>
@@ -5178,12 +5178,12 @@
           <a:effectLst/>
           <a:extLst>
             <a:ext uri="{909E8E84-426E-40dd-AFC4-6F175D3DCCD1}">
-              <a14:hiddenFill xmlns:a14="http://schemas.microsoft.com/office/drawing/2010/main" xmlns="">
+              <a14:hiddenFill xmlns="" xmlns:a14="http://schemas.microsoft.com/office/drawing/2010/main">
                 <a:noFill/>
               </a14:hiddenFill>
             </a:ext>
             <a:ext uri="{AF507438-7753-43e0-B8FC-AC1667EBCBE1}">
-              <a14:hiddenEffects xmlns:a14="http://schemas.microsoft.com/office/drawing/2010/main" xmlns="">
+              <a14:hiddenEffects xmlns="" xmlns:a14="http://schemas.microsoft.com/office/drawing/2010/main">
                 <a:effectLst>
                   <a:outerShdw blurRad="63500" dist="38099" dir="2700000" algn="ctr" rotWithShape="0">
                     <a:schemeClr val="bg2">
@@ -5231,12 +5231,12 @@
           <a:effectLst/>
           <a:extLst>
             <a:ext uri="{909E8E84-426E-40dd-AFC4-6F175D3DCCD1}">
-              <a14:hiddenFill xmlns:a14="http://schemas.microsoft.com/office/drawing/2010/main" xmlns="">
+              <a14:hiddenFill xmlns="" xmlns:a14="http://schemas.microsoft.com/office/drawing/2010/main">
                 <a:noFill/>
               </a14:hiddenFill>
             </a:ext>
             <a:ext uri="{AF507438-7753-43e0-B8FC-AC1667EBCBE1}">
-              <a14:hiddenEffects xmlns:a14="http://schemas.microsoft.com/office/drawing/2010/main" xmlns="">
+              <a14:hiddenEffects xmlns="" xmlns:a14="http://schemas.microsoft.com/office/drawing/2010/main">
                 <a:effectLst>
                   <a:outerShdw blurRad="63500" dist="38099" dir="2700000" algn="ctr" rotWithShape="0">
                     <a:schemeClr val="bg2">
@@ -5284,12 +5284,12 @@
           <a:effectLst/>
           <a:extLst>
             <a:ext uri="{909E8E84-426E-40dd-AFC4-6F175D3DCCD1}">
-              <a14:hiddenFill xmlns:a14="http://schemas.microsoft.com/office/drawing/2010/main" xmlns="">
+              <a14:hiddenFill xmlns="" xmlns:a14="http://schemas.microsoft.com/office/drawing/2010/main">
                 <a:noFill/>
               </a14:hiddenFill>
             </a:ext>
             <a:ext uri="{AF507438-7753-43e0-B8FC-AC1667EBCBE1}">
-              <a14:hiddenEffects xmlns:a14="http://schemas.microsoft.com/office/drawing/2010/main" xmlns="">
+              <a14:hiddenEffects xmlns="" xmlns:a14="http://schemas.microsoft.com/office/drawing/2010/main">
                 <a:effectLst>
                   <a:outerShdw blurRad="63500" dist="38099" dir="2700000" algn="ctr" rotWithShape="0">
                     <a:schemeClr val="bg2">
@@ -5423,14 +5423,14 @@
           <a:effectLst/>
           <a:extLst>
             <a:ext uri="{909E8E84-426E-40dd-AFC4-6F175D3DCCD1}">
-              <a14:hiddenFill xmlns:a14="http://schemas.microsoft.com/office/drawing/2010/main" xmlns="">
+              <a14:hiddenFill xmlns="" xmlns:a14="http://schemas.microsoft.com/office/drawing/2010/main">
                 <a:solidFill>
                   <a:srgbClr val="9954DE"/>
                 </a:solidFill>
               </a14:hiddenFill>
             </a:ext>
             <a:ext uri="{91240B29-F687-4f45-9708-019B960494DF}">
-              <a14:hiddenLine xmlns:a14="http://schemas.microsoft.com/office/drawing/2010/main" xmlns="" w="9525">
+              <a14:hiddenLine xmlns="" xmlns:a14="http://schemas.microsoft.com/office/drawing/2010/main" w="9525">
                 <a:solidFill>
                   <a:schemeClr val="tx1"/>
                 </a:solidFill>
@@ -5440,7 +5440,7 @@
               </a14:hiddenLine>
             </a:ext>
             <a:ext uri="{AF507438-7753-43e0-B8FC-AC1667EBCBE1}">
-              <a14:hiddenEffects xmlns:a14="http://schemas.microsoft.com/office/drawing/2010/main" xmlns="">
+              <a14:hiddenEffects xmlns="" xmlns:a14="http://schemas.microsoft.com/office/drawing/2010/main">
                 <a:effectLst>
                   <a:outerShdw blurRad="63500" dist="38099" dir="2700000" algn="ctr" rotWithShape="0">
                     <a:schemeClr val="bg2">
@@ -5488,14 +5488,14 @@
           </a:ln>
           <a:extLst>
             <a:ext uri="{909E8E84-426E-40dd-AFC4-6F175D3DCCD1}">
-              <a14:hiddenFill xmlns:a14="http://schemas.microsoft.com/office/drawing/2010/main" xmlns="">
+              <a14:hiddenFill xmlns="" xmlns:a14="http://schemas.microsoft.com/office/drawing/2010/main">
                 <a:solidFill>
                   <a:srgbClr val="FFFFFF"/>
                 </a:solidFill>
               </a14:hiddenFill>
             </a:ext>
             <a:ext uri="{91240B29-F687-4f45-9708-019B960494DF}">
-              <a14:hiddenLine xmlns:a14="http://schemas.microsoft.com/office/drawing/2010/main" xmlns="" w="9525">
+              <a14:hiddenLine xmlns="" xmlns:a14="http://schemas.microsoft.com/office/drawing/2010/main" w="9525">
                 <a:solidFill>
                   <a:srgbClr val="000000"/>
                 </a:solidFill>
@@ -5639,14 +5639,14 @@
           <a:effectLst/>
           <a:extLst>
             <a:ext uri="{909E8E84-426E-40dd-AFC4-6F175D3DCCD1}">
-              <a14:hiddenFill xmlns:a14="http://schemas.microsoft.com/office/drawing/2010/main" xmlns="">
+              <a14:hiddenFill xmlns="" xmlns:a14="http://schemas.microsoft.com/office/drawing/2010/main">
                 <a:solidFill>
                   <a:srgbClr val="9954DE"/>
                 </a:solidFill>
               </a14:hiddenFill>
             </a:ext>
             <a:ext uri="{91240B29-F687-4f45-9708-019B960494DF}">
-              <a14:hiddenLine xmlns:a14="http://schemas.microsoft.com/office/drawing/2010/main" xmlns="" w="9525">
+              <a14:hiddenLine xmlns="" xmlns:a14="http://schemas.microsoft.com/office/drawing/2010/main" w="9525">
                 <a:solidFill>
                   <a:schemeClr val="tx1"/>
                 </a:solidFill>
@@ -5656,7 +5656,7 @@
               </a14:hiddenLine>
             </a:ext>
             <a:ext uri="{AF507438-7753-43e0-B8FC-AC1667EBCBE1}">
-              <a14:hiddenEffects xmlns:a14="http://schemas.microsoft.com/office/drawing/2010/main" xmlns="">
+              <a14:hiddenEffects xmlns="" xmlns:a14="http://schemas.microsoft.com/office/drawing/2010/main">
                 <a:effectLst>
                   <a:outerShdw blurRad="63500" dist="38099" dir="2700000" algn="ctr" rotWithShape="0">
                     <a:schemeClr val="bg2">
@@ -5697,12 +5697,12 @@
           <a:effectLst/>
           <a:extLst>
             <a:ext uri="{909E8E84-426E-40dd-AFC4-6F175D3DCCD1}">
-              <a14:hiddenFill xmlns:a14="http://schemas.microsoft.com/office/drawing/2010/main" xmlns="">
+              <a14:hiddenFill xmlns="" xmlns:a14="http://schemas.microsoft.com/office/drawing/2010/main">
                 <a:noFill/>
               </a14:hiddenFill>
             </a:ext>
             <a:ext uri="{AF507438-7753-43e0-B8FC-AC1667EBCBE1}">
-              <a14:hiddenEffects xmlns:a14="http://schemas.microsoft.com/office/drawing/2010/main" xmlns="">
+              <a14:hiddenEffects xmlns="" xmlns:a14="http://schemas.microsoft.com/office/drawing/2010/main">
                 <a:effectLst>
                   <a:outerShdw blurRad="63500" dist="38099" dir="2700000" algn="ctr" rotWithShape="0">
                     <a:schemeClr val="bg2">
@@ -5760,7 +5760,7 @@
           <a:noFill/>
           <a:extLst>
             <a:ext uri="{909E8E84-426E-40dd-AFC4-6F175D3DCCD1}">
-              <a14:hiddenFill xmlns:a14="http://schemas.microsoft.com/office/drawing/2010/main" xmlns="">
+              <a14:hiddenFill xmlns="" xmlns:a14="http://schemas.microsoft.com/office/drawing/2010/main">
                 <a:solidFill>
                   <a:srgbClr val="FFFFFF"/>
                 </a:solidFill>
@@ -5801,7 +5801,7 @@
           <a:noFill/>
           <a:extLst>
             <a:ext uri="{909E8E84-426E-40dd-AFC4-6F175D3DCCD1}">
-              <a14:hiddenFill xmlns:a14="http://schemas.microsoft.com/office/drawing/2010/main" xmlns="">
+              <a14:hiddenFill xmlns="" xmlns:a14="http://schemas.microsoft.com/office/drawing/2010/main">
                 <a:solidFill>
                   <a:srgbClr val="FFFFFF"/>
                 </a:solidFill>
@@ -5842,7 +5842,7 @@
           <a:noFill/>
           <a:extLst>
             <a:ext uri="{909E8E84-426E-40dd-AFC4-6F175D3DCCD1}">
-              <a14:hiddenFill xmlns:a14="http://schemas.microsoft.com/office/drawing/2010/main" xmlns="">
+              <a14:hiddenFill xmlns="" xmlns:a14="http://schemas.microsoft.com/office/drawing/2010/main">
                 <a:solidFill>
                   <a:srgbClr val="FFFFFF"/>
                 </a:solidFill>
@@ -5883,7 +5883,7 @@
           <a:noFill/>
           <a:extLst>
             <a:ext uri="{909E8E84-426E-40dd-AFC4-6F175D3DCCD1}">
-              <a14:hiddenFill xmlns:a14="http://schemas.microsoft.com/office/drawing/2010/main" xmlns="">
+              <a14:hiddenFill xmlns="" xmlns:a14="http://schemas.microsoft.com/office/drawing/2010/main">
                 <a:solidFill>
                   <a:srgbClr val="FFFFFF"/>
                 </a:solidFill>
@@ -5924,7 +5924,7 @@
           <a:noFill/>
           <a:extLst>
             <a:ext uri="{909E8E84-426E-40dd-AFC4-6F175D3DCCD1}">
-              <a14:hiddenFill xmlns:a14="http://schemas.microsoft.com/office/drawing/2010/main" xmlns="">
+              <a14:hiddenFill xmlns="" xmlns:a14="http://schemas.microsoft.com/office/drawing/2010/main">
                 <a:solidFill>
                   <a:srgbClr val="FFFFFF"/>
                 </a:solidFill>
@@ -5965,7 +5965,7 @@
           <a:noFill/>
           <a:extLst>
             <a:ext uri="{909E8E84-426E-40dd-AFC4-6F175D3DCCD1}">
-              <a14:hiddenFill xmlns:a14="http://schemas.microsoft.com/office/drawing/2010/main" xmlns="">
+              <a14:hiddenFill xmlns="" xmlns:a14="http://schemas.microsoft.com/office/drawing/2010/main">
                 <a:solidFill>
                   <a:srgbClr val="FFFFFF"/>
                 </a:solidFill>
@@ -6006,7 +6006,7 @@
           <a:noFill/>
           <a:extLst>
             <a:ext uri="{909E8E84-426E-40dd-AFC4-6F175D3DCCD1}">
-              <a14:hiddenFill xmlns:a14="http://schemas.microsoft.com/office/drawing/2010/main" xmlns="">
+              <a14:hiddenFill xmlns="" xmlns:a14="http://schemas.microsoft.com/office/drawing/2010/main">
                 <a:solidFill>
                   <a:srgbClr val="FFFFFF"/>
                 </a:solidFill>
@@ -6047,7 +6047,7 @@
           <a:noFill/>
           <a:extLst>
             <a:ext uri="{909E8E84-426E-40dd-AFC4-6F175D3DCCD1}">
-              <a14:hiddenFill xmlns:a14="http://schemas.microsoft.com/office/drawing/2010/main" xmlns="">
+              <a14:hiddenFill xmlns="" xmlns:a14="http://schemas.microsoft.com/office/drawing/2010/main">
                 <a:solidFill>
                   <a:srgbClr val="FFFFFF"/>
                 </a:solidFill>
@@ -6084,12 +6084,12 @@
           <a:effectLst/>
           <a:extLst>
             <a:ext uri="{909E8E84-426E-40dd-AFC4-6F175D3DCCD1}">
-              <a14:hiddenFill xmlns:a14="http://schemas.microsoft.com/office/drawing/2010/main" xmlns="">
+              <a14:hiddenFill xmlns="" xmlns:a14="http://schemas.microsoft.com/office/drawing/2010/main">
                 <a:noFill/>
               </a14:hiddenFill>
             </a:ext>
             <a:ext uri="{AF507438-7753-43e0-B8FC-AC1667EBCBE1}">
-              <a14:hiddenEffects xmlns:a14="http://schemas.microsoft.com/office/drawing/2010/main" xmlns="">
+              <a14:hiddenEffects xmlns="" xmlns:a14="http://schemas.microsoft.com/office/drawing/2010/main">
                 <a:effectLst>
                   <a:outerShdw blurRad="63500" dist="38099" dir="2700000" algn="ctr" rotWithShape="0">
                     <a:schemeClr val="bg2">
@@ -6137,12 +6137,12 @@
           <a:effectLst/>
           <a:extLst>
             <a:ext uri="{909E8E84-426E-40dd-AFC4-6F175D3DCCD1}">
-              <a14:hiddenFill xmlns:a14="http://schemas.microsoft.com/office/drawing/2010/main" xmlns="">
+              <a14:hiddenFill xmlns="" xmlns:a14="http://schemas.microsoft.com/office/drawing/2010/main">
                 <a:noFill/>
               </a14:hiddenFill>
             </a:ext>
             <a:ext uri="{AF507438-7753-43e0-B8FC-AC1667EBCBE1}">
-              <a14:hiddenEffects xmlns:a14="http://schemas.microsoft.com/office/drawing/2010/main" xmlns="">
+              <a14:hiddenEffects xmlns="" xmlns:a14="http://schemas.microsoft.com/office/drawing/2010/main">
                 <a:effectLst>
                   <a:outerShdw blurRad="63500" dist="38099" dir="2700000" algn="ctr" rotWithShape="0">
                     <a:schemeClr val="bg2">
@@ -6190,12 +6190,12 @@
           <a:effectLst/>
           <a:extLst>
             <a:ext uri="{909E8E84-426E-40dd-AFC4-6F175D3DCCD1}">
-              <a14:hiddenFill xmlns:a14="http://schemas.microsoft.com/office/drawing/2010/main" xmlns="">
+              <a14:hiddenFill xmlns="" xmlns:a14="http://schemas.microsoft.com/office/drawing/2010/main">
                 <a:noFill/>
               </a14:hiddenFill>
             </a:ext>
             <a:ext uri="{AF507438-7753-43e0-B8FC-AC1667EBCBE1}">
-              <a14:hiddenEffects xmlns:a14="http://schemas.microsoft.com/office/drawing/2010/main" xmlns="">
+              <a14:hiddenEffects xmlns="" xmlns:a14="http://schemas.microsoft.com/office/drawing/2010/main">
                 <a:effectLst>
                   <a:outerShdw blurRad="63500" dist="38099" dir="2700000" algn="ctr" rotWithShape="0">
                     <a:schemeClr val="bg2">
@@ -6243,12 +6243,12 @@
           <a:effectLst/>
           <a:extLst>
             <a:ext uri="{909E8E84-426E-40dd-AFC4-6F175D3DCCD1}">
-              <a14:hiddenFill xmlns:a14="http://schemas.microsoft.com/office/drawing/2010/main" xmlns="">
+              <a14:hiddenFill xmlns="" xmlns:a14="http://schemas.microsoft.com/office/drawing/2010/main">
                 <a:noFill/>
               </a14:hiddenFill>
             </a:ext>
             <a:ext uri="{AF507438-7753-43e0-B8FC-AC1667EBCBE1}">
-              <a14:hiddenEffects xmlns:a14="http://schemas.microsoft.com/office/drawing/2010/main" xmlns="">
+              <a14:hiddenEffects xmlns="" xmlns:a14="http://schemas.microsoft.com/office/drawing/2010/main">
                 <a:effectLst>
                   <a:outerShdw blurRad="63500" dist="38099" dir="2700000" algn="ctr" rotWithShape="0">
                     <a:schemeClr val="bg2">
@@ -6296,12 +6296,12 @@
           <a:effectLst/>
           <a:extLst>
             <a:ext uri="{909E8E84-426E-40dd-AFC4-6F175D3DCCD1}">
-              <a14:hiddenFill xmlns:a14="http://schemas.microsoft.com/office/drawing/2010/main" xmlns="">
+              <a14:hiddenFill xmlns="" xmlns:a14="http://schemas.microsoft.com/office/drawing/2010/main">
                 <a:noFill/>
               </a14:hiddenFill>
             </a:ext>
             <a:ext uri="{AF507438-7753-43e0-B8FC-AC1667EBCBE1}">
-              <a14:hiddenEffects xmlns:a14="http://schemas.microsoft.com/office/drawing/2010/main" xmlns="">
+              <a14:hiddenEffects xmlns="" xmlns:a14="http://schemas.microsoft.com/office/drawing/2010/main">
                 <a:effectLst>
                   <a:outerShdw blurRad="63500" dist="38099" dir="2700000" algn="ctr" rotWithShape="0">
                     <a:schemeClr val="bg2">
@@ -7120,12 +7120,12 @@
           <a:effectLst/>
           <a:extLst>
             <a:ext uri="{909E8E84-426E-40dd-AFC4-6F175D3DCCD1}">
-              <a14:hiddenFill xmlns:a14="http://schemas.microsoft.com/office/drawing/2010/main" xmlns="">
+              <a14:hiddenFill xmlns="" xmlns:a14="http://schemas.microsoft.com/office/drawing/2010/main">
                 <a:noFill/>
               </a14:hiddenFill>
             </a:ext>
             <a:ext uri="{AF507438-7753-43e0-B8FC-AC1667EBCBE1}">
-              <a14:hiddenEffects xmlns:a14="http://schemas.microsoft.com/office/drawing/2010/main" xmlns="">
+              <a14:hiddenEffects xmlns="" xmlns:a14="http://schemas.microsoft.com/office/drawing/2010/main">
                 <a:effectLst>
                   <a:outerShdw blurRad="63500" dist="38099" dir="2700000" algn="ctr" rotWithShape="0">
                     <a:schemeClr val="bg2">
@@ -7173,12 +7173,12 @@
           <a:effectLst/>
           <a:extLst>
             <a:ext uri="{909E8E84-426E-40dd-AFC4-6F175D3DCCD1}">
-              <a14:hiddenFill xmlns:a14="http://schemas.microsoft.com/office/drawing/2010/main" xmlns="">
+              <a14:hiddenFill xmlns="" xmlns:a14="http://schemas.microsoft.com/office/drawing/2010/main">
                 <a:noFill/>
               </a14:hiddenFill>
             </a:ext>
             <a:ext uri="{AF507438-7753-43e0-B8FC-AC1667EBCBE1}">
-              <a14:hiddenEffects xmlns:a14="http://schemas.microsoft.com/office/drawing/2010/main" xmlns="">
+              <a14:hiddenEffects xmlns="" xmlns:a14="http://schemas.microsoft.com/office/drawing/2010/main">
                 <a:effectLst>
                   <a:outerShdw blurRad="63500" dist="38099" dir="2700000" algn="ctr" rotWithShape="0">
                     <a:schemeClr val="bg2">
@@ -7226,12 +7226,12 @@
           <a:effectLst/>
           <a:extLst>
             <a:ext uri="{909E8E84-426E-40dd-AFC4-6F175D3DCCD1}">
-              <a14:hiddenFill xmlns:a14="http://schemas.microsoft.com/office/drawing/2010/main" xmlns="">
+              <a14:hiddenFill xmlns="" xmlns:a14="http://schemas.microsoft.com/office/drawing/2010/main">
                 <a:noFill/>
               </a14:hiddenFill>
             </a:ext>
             <a:ext uri="{AF507438-7753-43e0-B8FC-AC1667EBCBE1}">
-              <a14:hiddenEffects xmlns:a14="http://schemas.microsoft.com/office/drawing/2010/main" xmlns="">
+              <a14:hiddenEffects xmlns="" xmlns:a14="http://schemas.microsoft.com/office/drawing/2010/main">
                 <a:effectLst>
                   <a:outerShdw blurRad="63500" dist="38099" dir="2700000" algn="ctr" rotWithShape="0">
                     <a:schemeClr val="bg2">
@@ -7395,14 +7395,14 @@
           <a:effectLst/>
           <a:extLst>
             <a:ext uri="{909E8E84-426E-40dd-AFC4-6F175D3DCCD1}">
-              <a14:hiddenFill xmlns:a14="http://schemas.microsoft.com/office/drawing/2010/main" xmlns="">
+              <a14:hiddenFill xmlns="" xmlns:a14="http://schemas.microsoft.com/office/drawing/2010/main">
                 <a:solidFill>
                   <a:srgbClr val="9954DE"/>
                 </a:solidFill>
               </a14:hiddenFill>
             </a:ext>
             <a:ext uri="{91240B29-F687-4f45-9708-019B960494DF}">
-              <a14:hiddenLine xmlns:a14="http://schemas.microsoft.com/office/drawing/2010/main" xmlns="" w="9525">
+              <a14:hiddenLine xmlns="" xmlns:a14="http://schemas.microsoft.com/office/drawing/2010/main" w="9525">
                 <a:solidFill>
                   <a:schemeClr val="tx1"/>
                 </a:solidFill>
@@ -7412,7 +7412,7 @@
               </a14:hiddenLine>
             </a:ext>
             <a:ext uri="{AF507438-7753-43e0-B8FC-AC1667EBCBE1}">
-              <a14:hiddenEffects xmlns:a14="http://schemas.microsoft.com/office/drawing/2010/main" xmlns="">
+              <a14:hiddenEffects xmlns="" xmlns:a14="http://schemas.microsoft.com/office/drawing/2010/main">
                 <a:effectLst>
                   <a:outerShdw blurRad="63500" dist="38099" dir="2700000" algn="ctr" rotWithShape="0">
                     <a:schemeClr val="bg2">
@@ -7457,7 +7457,7 @@
           <a:noFill/>
           <a:extLst>
             <a:ext uri="{909E8E84-426E-40dd-AFC4-6F175D3DCCD1}">
-              <a14:hiddenFill xmlns:a14="http://schemas.microsoft.com/office/drawing/2010/main" xmlns="">
+              <a14:hiddenFill xmlns="" xmlns:a14="http://schemas.microsoft.com/office/drawing/2010/main">
                 <a:solidFill>
                   <a:srgbClr val="FFFFFF"/>
                 </a:solidFill>
@@ -7498,7 +7498,7 @@
           <a:noFill/>
           <a:extLst>
             <a:ext uri="{909E8E84-426E-40dd-AFC4-6F175D3DCCD1}">
-              <a14:hiddenFill xmlns:a14="http://schemas.microsoft.com/office/drawing/2010/main" xmlns="">
+              <a14:hiddenFill xmlns="" xmlns:a14="http://schemas.microsoft.com/office/drawing/2010/main">
                 <a:solidFill>
                   <a:srgbClr val="FFFFFF"/>
                 </a:solidFill>
@@ -7539,7 +7539,7 @@
           <a:noFill/>
           <a:extLst>
             <a:ext uri="{909E8E84-426E-40dd-AFC4-6F175D3DCCD1}">
-              <a14:hiddenFill xmlns:a14="http://schemas.microsoft.com/office/drawing/2010/main" xmlns="">
+              <a14:hiddenFill xmlns="" xmlns:a14="http://schemas.microsoft.com/office/drawing/2010/main">
                 <a:solidFill>
                   <a:srgbClr val="FFFFFF"/>
                 </a:solidFill>
@@ -7580,7 +7580,7 @@
           <a:noFill/>
           <a:extLst>
             <a:ext uri="{909E8E84-426E-40dd-AFC4-6F175D3DCCD1}">
-              <a14:hiddenFill xmlns:a14="http://schemas.microsoft.com/office/drawing/2010/main" xmlns="">
+              <a14:hiddenFill xmlns="" xmlns:a14="http://schemas.microsoft.com/office/drawing/2010/main">
                 <a:solidFill>
                   <a:srgbClr val="FFFFFF"/>
                 </a:solidFill>
@@ -7621,7 +7621,7 @@
           <a:noFill/>
           <a:extLst>
             <a:ext uri="{909E8E84-426E-40dd-AFC4-6F175D3DCCD1}">
-              <a14:hiddenFill xmlns:a14="http://schemas.microsoft.com/office/drawing/2010/main" xmlns="">
+              <a14:hiddenFill xmlns="" xmlns:a14="http://schemas.microsoft.com/office/drawing/2010/main">
                 <a:solidFill>
                   <a:srgbClr val="FFFFFF"/>
                 </a:solidFill>
@@ -7662,7 +7662,7 @@
           <a:noFill/>
           <a:extLst>
             <a:ext uri="{909E8E84-426E-40dd-AFC4-6F175D3DCCD1}">
-              <a14:hiddenFill xmlns:a14="http://schemas.microsoft.com/office/drawing/2010/main" xmlns="">
+              <a14:hiddenFill xmlns="" xmlns:a14="http://schemas.microsoft.com/office/drawing/2010/main">
                 <a:solidFill>
                   <a:srgbClr val="FFFFFF"/>
                 </a:solidFill>
@@ -7703,7 +7703,7 @@
           <a:noFill/>
           <a:extLst>
             <a:ext uri="{909E8E84-426E-40dd-AFC4-6F175D3DCCD1}">
-              <a14:hiddenFill xmlns:a14="http://schemas.microsoft.com/office/drawing/2010/main" xmlns="">
+              <a14:hiddenFill xmlns="" xmlns:a14="http://schemas.microsoft.com/office/drawing/2010/main">
                 <a:solidFill>
                   <a:srgbClr val="FFFFFF"/>
                 </a:solidFill>
@@ -7744,7 +7744,7 @@
           <a:noFill/>
           <a:extLst>
             <a:ext uri="{909E8E84-426E-40dd-AFC4-6F175D3DCCD1}">
-              <a14:hiddenFill xmlns:a14="http://schemas.microsoft.com/office/drawing/2010/main" xmlns="">
+              <a14:hiddenFill xmlns="" xmlns:a14="http://schemas.microsoft.com/office/drawing/2010/main">
                 <a:solidFill>
                   <a:srgbClr val="FFFFFF"/>
                 </a:solidFill>
@@ -7781,12 +7781,12 @@
           <a:effectLst/>
           <a:extLst>
             <a:ext uri="{909E8E84-426E-40dd-AFC4-6F175D3DCCD1}">
-              <a14:hiddenFill xmlns:a14="http://schemas.microsoft.com/office/drawing/2010/main" xmlns="">
+              <a14:hiddenFill xmlns="" xmlns:a14="http://schemas.microsoft.com/office/drawing/2010/main">
                 <a:noFill/>
               </a14:hiddenFill>
             </a:ext>
             <a:ext uri="{AF507438-7753-43e0-B8FC-AC1667EBCBE1}">
-              <a14:hiddenEffects xmlns:a14="http://schemas.microsoft.com/office/drawing/2010/main" xmlns="">
+              <a14:hiddenEffects xmlns="" xmlns:a14="http://schemas.microsoft.com/office/drawing/2010/main">
                 <a:effectLst>
                   <a:outerShdw blurRad="63500" dist="38099" dir="2700000" algn="ctr" rotWithShape="0">
                     <a:schemeClr val="bg2">
@@ -7834,12 +7834,12 @@
           <a:effectLst/>
           <a:extLst>
             <a:ext uri="{909E8E84-426E-40dd-AFC4-6F175D3DCCD1}">
-              <a14:hiddenFill xmlns:a14="http://schemas.microsoft.com/office/drawing/2010/main" xmlns="">
+              <a14:hiddenFill xmlns="" xmlns:a14="http://schemas.microsoft.com/office/drawing/2010/main">
                 <a:noFill/>
               </a14:hiddenFill>
             </a:ext>
             <a:ext uri="{AF507438-7753-43e0-B8FC-AC1667EBCBE1}">
-              <a14:hiddenEffects xmlns:a14="http://schemas.microsoft.com/office/drawing/2010/main" xmlns="">
+              <a14:hiddenEffects xmlns="" xmlns:a14="http://schemas.microsoft.com/office/drawing/2010/main">
                 <a:effectLst>
                   <a:outerShdw blurRad="63500" dist="38099" dir="2700000" algn="ctr" rotWithShape="0">
                     <a:schemeClr val="bg2">
@@ -7887,12 +7887,12 @@
           <a:effectLst/>
           <a:extLst>
             <a:ext uri="{909E8E84-426E-40dd-AFC4-6F175D3DCCD1}">
-              <a14:hiddenFill xmlns:a14="http://schemas.microsoft.com/office/drawing/2010/main" xmlns="">
+              <a14:hiddenFill xmlns="" xmlns:a14="http://schemas.microsoft.com/office/drawing/2010/main">
                 <a:noFill/>
               </a14:hiddenFill>
             </a:ext>
             <a:ext uri="{AF507438-7753-43e0-B8FC-AC1667EBCBE1}">
-              <a14:hiddenEffects xmlns:a14="http://schemas.microsoft.com/office/drawing/2010/main" xmlns="">
+              <a14:hiddenEffects xmlns="" xmlns:a14="http://schemas.microsoft.com/office/drawing/2010/main">
                 <a:effectLst>
                   <a:outerShdw blurRad="63500" dist="38099" dir="2700000" algn="ctr" rotWithShape="0">
                     <a:schemeClr val="bg2">
@@ -7940,12 +7940,12 @@
           <a:effectLst/>
           <a:extLst>
             <a:ext uri="{909E8E84-426E-40dd-AFC4-6F175D3DCCD1}">
-              <a14:hiddenFill xmlns:a14="http://schemas.microsoft.com/office/drawing/2010/main" xmlns="">
+              <a14:hiddenFill xmlns="" xmlns:a14="http://schemas.microsoft.com/office/drawing/2010/main">
                 <a:noFill/>
               </a14:hiddenFill>
             </a:ext>
             <a:ext uri="{AF507438-7753-43e0-B8FC-AC1667EBCBE1}">
-              <a14:hiddenEffects xmlns:a14="http://schemas.microsoft.com/office/drawing/2010/main" xmlns="">
+              <a14:hiddenEffects xmlns="" xmlns:a14="http://schemas.microsoft.com/office/drawing/2010/main">
                 <a:effectLst>
                   <a:outerShdw blurRad="63500" dist="38099" dir="2700000" algn="ctr" rotWithShape="0">
                     <a:schemeClr val="bg2">
@@ -7993,12 +7993,12 @@
           <a:effectLst/>
           <a:extLst>
             <a:ext uri="{909E8E84-426E-40dd-AFC4-6F175D3DCCD1}">
-              <a14:hiddenFill xmlns:a14="http://schemas.microsoft.com/office/drawing/2010/main" xmlns="">
+              <a14:hiddenFill xmlns="" xmlns:a14="http://schemas.microsoft.com/office/drawing/2010/main">
                 <a:noFill/>
               </a14:hiddenFill>
             </a:ext>
             <a:ext uri="{AF507438-7753-43e0-B8FC-AC1667EBCBE1}">
-              <a14:hiddenEffects xmlns:a14="http://schemas.microsoft.com/office/drawing/2010/main" xmlns="">
+              <a14:hiddenEffects xmlns="" xmlns:a14="http://schemas.microsoft.com/office/drawing/2010/main">
                 <a:effectLst>
                   <a:outerShdw blurRad="63500" dist="38099" dir="2700000" algn="ctr" rotWithShape="0">
                     <a:schemeClr val="bg2">
